--- a/SlideLVTN2025-Nhom11.pptx
+++ b/SlideLVTN2025-Nhom11.pptx
@@ -307,7 +307,7 @@
               <a:rPr lang="vi-VN" smtClean="0">
                 <a:latin typeface="Times New Roman" panose="02020603050405020304" pitchFamily="18" charset="0"/>
               </a:rPr>
-              <a:t>08/08/2025</a:t>
+              <a:t>10/08/2025</a:t>
             </a:fld>
             <a:endParaRPr lang="vi-VN" dirty="0">
               <a:latin typeface="Times New Roman" panose="02020603050405020304" pitchFamily="18" charset="0"/>
@@ -493,7 +493,7 @@
           <a:p>
             <a:fld id="{A5B4767C-178F-4F7A-B0BF-1ECBC34D90F3}" type="datetimeFigureOut">
               <a:rPr lang="en-US" smtClean="0"/>
-              <a:t>8/8/2025</a:t>
+              <a:t>8/10/2025</a:t>
             </a:fld>
             <a:endParaRPr lang="en-US"/>
           </a:p>
@@ -1543,7 +1543,7 @@
           <a:p>
             <a:fld id="{CB1B1D47-BFA3-4A49-9357-DF0CC22D516E}" type="datetime1">
               <a:rPr lang="en-US" smtClean="0"/>
-              <a:t>8/8/2025</a:t>
+              <a:t>8/10/2025</a:t>
             </a:fld>
             <a:endParaRPr lang="en-US"/>
           </a:p>
@@ -1706,7 +1706,7 @@
           <a:p>
             <a:fld id="{5C43BDD3-9891-4D3C-BBD0-E8D9CE2D4BDD}" type="datetime1">
               <a:rPr lang="en-US" smtClean="0"/>
-              <a:t>8/8/2025</a:t>
+              <a:t>8/10/2025</a:t>
             </a:fld>
             <a:endParaRPr lang="en-US"/>
           </a:p>
@@ -1879,7 +1879,7 @@
           <a:p>
             <a:fld id="{AFC3CE88-8024-499C-A9C5-7A8559A876DD}" type="datetime1">
               <a:rPr lang="en-US" smtClean="0"/>
-              <a:t>8/8/2025</a:t>
+              <a:t>8/10/2025</a:t>
             </a:fld>
             <a:endParaRPr lang="en-US"/>
           </a:p>
@@ -2042,7 +2042,7 @@
           <a:p>
             <a:fld id="{F7221656-C69A-4BF8-BA99-94492613BE37}" type="datetime1">
               <a:rPr lang="en-US" smtClean="0"/>
-              <a:t>8/8/2025</a:t>
+              <a:t>8/10/2025</a:t>
             </a:fld>
             <a:endParaRPr lang="en-US"/>
           </a:p>
@@ -2282,7 +2282,7 @@
           <a:p>
             <a:fld id="{32B99D1E-C8C3-47B6-B054-B01EB2FB7CC2}" type="datetime1">
               <a:rPr lang="en-US" smtClean="0"/>
-              <a:t>8/8/2025</a:t>
+              <a:t>8/10/2025</a:t>
             </a:fld>
             <a:endParaRPr lang="en-US"/>
           </a:p>
@@ -2562,7 +2562,7 @@
           <a:p>
             <a:fld id="{FCA5D10C-587F-4830-B8F7-9571FDDB19D9}" type="datetime1">
               <a:rPr lang="en-US" smtClean="0"/>
-              <a:t>8/8/2025</a:t>
+              <a:t>8/10/2025</a:t>
             </a:fld>
             <a:endParaRPr lang="en-US"/>
           </a:p>
@@ -2976,7 +2976,7 @@
           <a:p>
             <a:fld id="{5840B77F-2D7F-4FE5-891F-6DDC7FFD9743}" type="datetime1">
               <a:rPr lang="en-US" smtClean="0"/>
-              <a:t>8/8/2025</a:t>
+              <a:t>8/10/2025</a:t>
             </a:fld>
             <a:endParaRPr lang="en-US"/>
           </a:p>
@@ -3088,7 +3088,7 @@
           <a:p>
             <a:fld id="{F5A6DC26-FCBB-4462-84A7-7544E351357B}" type="datetime1">
               <a:rPr lang="en-US" smtClean="0"/>
-              <a:t>8/8/2025</a:t>
+              <a:t>8/10/2025</a:t>
             </a:fld>
             <a:endParaRPr lang="en-US"/>
           </a:p>
@@ -3178,7 +3178,7 @@
           <a:p>
             <a:fld id="{504A7883-D206-4DC5-A9C2-12C3F033F62D}" type="datetime1">
               <a:rPr lang="en-US" smtClean="0"/>
-              <a:t>8/8/2025</a:t>
+              <a:t>8/10/2025</a:t>
             </a:fld>
             <a:endParaRPr lang="en-US"/>
           </a:p>
@@ -3448,7 +3448,7 @@
           <a:p>
             <a:fld id="{3CE13995-278B-44E3-94FD-55E150BA9A9F}" type="datetime1">
               <a:rPr lang="en-US" smtClean="0"/>
-              <a:t>8/8/2025</a:t>
+              <a:t>8/10/2025</a:t>
             </a:fld>
             <a:endParaRPr lang="en-US"/>
           </a:p>
@@ -3695,7 +3695,7 @@
           <a:p>
             <a:fld id="{76B9F03E-CA2C-4E58-9A50-AC02C53D89AE}" type="datetime1">
               <a:rPr lang="en-US" smtClean="0"/>
-              <a:t>8/8/2025</a:t>
+              <a:t>8/10/2025</a:t>
             </a:fld>
             <a:endParaRPr lang="en-US"/>
           </a:p>
@@ -3903,7 +3903,7 @@
             <a:fld id="{67CB5D8C-79F8-440A-AE87-3E0E034E5E87}" type="datetime1">
               <a:rPr lang="en-US" smtClean="0"/>
               <a:pPr/>
-              <a:t>8/8/2025</a:t>
+              <a:t>8/10/2025</a:t>
             </a:fld>
             <a:endParaRPr lang="en-US" dirty="0"/>
           </a:p>
@@ -4303,7 +4303,7 @@
         </p:blipFill>
         <p:spPr>
           <a:xfrm flipH="1">
-            <a:off x="-1265520" y="1590475"/>
+            <a:off x="-1237602" y="1562100"/>
             <a:ext cx="5609472" cy="9323223"/>
           </a:xfrm>
           <a:prstGeom prst="rect">
@@ -5389,7 +5389,51 @@
                 <a:latin typeface="+mj-lt"/>
                 <a:ea typeface="Times New Roman" panose="02020603050405020304" pitchFamily="18" charset="0"/>
               </a:rPr>
-              <a:t>đề</a:t>
+              <a:t>để</a:t>
+            </a:r>
+            <a:r>
+              <a:rPr lang="en-US" sz="3700" dirty="0">
+                <a:solidFill>
+                  <a:srgbClr val="000000"/>
+                </a:solidFill>
+                <a:effectLst/>
+                <a:latin typeface="+mj-lt"/>
+                <a:ea typeface="Times New Roman" panose="02020603050405020304" pitchFamily="18" charset="0"/>
+              </a:rPr>
+              <a:t> </a:t>
+            </a:r>
+            <a:r>
+              <a:rPr lang="en-US" sz="3700" dirty="0" err="1">
+                <a:solidFill>
+                  <a:srgbClr val="000000"/>
+                </a:solidFill>
+                <a:effectLst/>
+                <a:latin typeface="+mj-lt"/>
+                <a:ea typeface="Times New Roman" panose="02020603050405020304" pitchFamily="18" charset="0"/>
+              </a:rPr>
+              <a:t>trả</a:t>
+            </a:r>
+            <a:r>
+              <a:rPr lang="en-US" sz="3700" dirty="0">
+                <a:solidFill>
+                  <a:srgbClr val="000000"/>
+                </a:solidFill>
+                <a:effectLst/>
+                <a:latin typeface="+mj-lt"/>
+                <a:ea typeface="Times New Roman" panose="02020603050405020304" pitchFamily="18" charset="0"/>
+              </a:rPr>
+              <a:t> </a:t>
+            </a:r>
+            <a:r>
+              <a:rPr lang="en-US" sz="3700" dirty="0" err="1">
+                <a:solidFill>
+                  <a:srgbClr val="000000"/>
+                </a:solidFill>
+                <a:effectLst/>
+                <a:latin typeface="+mj-lt"/>
+                <a:ea typeface="Times New Roman" panose="02020603050405020304" pitchFamily="18" charset="0"/>
+              </a:rPr>
+              <a:t>lời</a:t>
             </a:r>
             <a:r>
               <a:rPr lang="en-US" sz="3700" dirty="0">
@@ -6799,8 +6843,8 @@
           </a:prstGeom>
         </p:spPr>
       </p:pic>
-      <mc:AlternateContent xmlns:mc="http://schemas.openxmlformats.org/markup-compatibility/2006">
-        <mc:Choice xmlns:a14="http://schemas.microsoft.com/office/drawing/2010/main" Requires="a14">
+      <mc:AlternateContent xmlns:mc="http://schemas.openxmlformats.org/markup-compatibility/2006" xmlns:a14="http://schemas.microsoft.com/office/drawing/2010/main">
+        <mc:Choice Requires="a14">
           <p:sp>
             <p:nvSpPr>
               <p:cNvPr id="5" name="TextBox 4">
@@ -7407,7 +7451,7 @@
             </p:txBody>
           </p:sp>
         </mc:Choice>
-        <mc:Fallback>
+        <mc:Fallback xmlns="">
           <p:sp>
             <p:nvSpPr>
               <p:cNvPr id="5" name="TextBox 4">
@@ -14941,15 +14985,15 @@
                 <a:cs typeface="Times New Roman" panose="02020603050405020304" pitchFamily="18" charset="0"/>
                 <a:sym typeface="+mn-ea"/>
               </a:rPr>
-              <a:t>Để tăng cường ngữ cảnh em tiếp tục sử dụng LLM </a:t>
-            </a:r>
-            <a:r>
-              <a:rPr lang="en-US" sz="3700" dirty="0">
-                <a:latin typeface="Times New Roman" panose="02020603050405020304" pitchFamily="18" charset="0"/>
-                <a:cs typeface="Times New Roman" panose="02020603050405020304" pitchFamily="18" charset="0"/>
-                <a:sym typeface="+mn-ea"/>
-              </a:rPr>
-              <a:t>LLM </a:t>
+              <a:t>Để tăng cường ngữ cảnh em tiếp tục sử dụng </a:t>
+            </a:r>
+            <a:r>
+              <a:rPr lang="it-IT" sz="3700">
+                <a:latin typeface="Times New Roman" panose="02020603050405020304" pitchFamily="18" charset="0"/>
+                <a:cs typeface="Times New Roman" panose="02020603050405020304" pitchFamily="18" charset="0"/>
+                <a:sym typeface="+mn-ea"/>
+              </a:rPr>
+              <a:t>LLM Gemini </a:t>
             </a:r>
             <a:r>
               <a:rPr lang="it-IT" sz="3700" dirty="0">
@@ -14957,7 +15001,7 @@
                 <a:cs typeface="Times New Roman" panose="02020603050405020304" pitchFamily="18" charset="0"/>
                 <a:sym typeface="+mn-ea"/>
               </a:rPr>
-              <a:t>Gemini 2.5 Pro Preview 05-06 để tạo tóm tắt chunk.</a:t>
+              <a:t>2.5 Pro Preview 05-06 để tạo tóm tắt chunk.</a:t>
             </a:r>
             <a:endParaRPr lang="en-US" sz="3700" dirty="0">
               <a:latin typeface="Times New Roman" panose="02020603050405020304" pitchFamily="18" charset="0"/>
@@ -17913,7 +17957,7 @@
         <p:spPr>
           <a:xfrm>
             <a:off x="1610653" y="2476500"/>
-            <a:ext cx="9324432" cy="5876289"/>
+            <a:ext cx="9324432" cy="6730369"/>
           </a:xfrm>
           <a:prstGeom prst="rect">
             <a:avLst/>
@@ -17982,6 +18026,21 @@
                 <a:latin typeface="+mj-lt"/>
               </a:rPr>
               <a:t>TRIỂN KHAI THỰC HIỆN</a:t>
+            </a:r>
+          </a:p>
+          <a:p>
+            <a:pPr marL="742950" indent="-473075">
+              <a:lnSpc>
+                <a:spcPct val="150000"/>
+              </a:lnSpc>
+              <a:buFont typeface="+mj-lt"/>
+              <a:buAutoNum type="arabicPeriod"/>
+            </a:pPr>
+            <a:r>
+              <a:rPr lang="vi-VN" sz="3700" dirty="0">
+                <a:latin typeface="+mj-lt"/>
+              </a:rPr>
+              <a:t>XÂY DỰNG ỨNG DỤNG</a:t>
             </a:r>
           </a:p>
           <a:p>
@@ -27515,7 +27574,7 @@
         <p:spPr>
           <a:xfrm>
             <a:off x="649659" y="1578339"/>
-            <a:ext cx="8232946" cy="5876289"/>
+            <a:ext cx="8232946" cy="6730369"/>
           </a:xfrm>
           <a:prstGeom prst="rect">
             <a:avLst/>
@@ -27558,7 +27617,7 @@
             </a:r>
           </a:p>
           <a:p>
-            <a:pPr marL="285750" indent="-285750">
+            <a:pPr marL="571500" indent="-571500">
               <a:lnSpc>
                 <a:spcPct val="150000"/>
               </a:lnSpc>
@@ -27573,7 +27632,7 @@
             </a:r>
           </a:p>
           <a:p>
-            <a:pPr marL="285750" indent="-285750">
+            <a:pPr marL="571500" indent="-571500">
               <a:lnSpc>
                 <a:spcPct val="150000"/>
               </a:lnSpc>
@@ -27588,7 +27647,7 @@
             </a:r>
           </a:p>
           <a:p>
-            <a:pPr marL="285750" indent="-285750">
+            <a:pPr marL="571500" indent="-571500">
               <a:lnSpc>
                 <a:spcPct val="150000"/>
               </a:lnSpc>
@@ -27707,7 +27766,7 @@
             </a:endParaRPr>
           </a:p>
           <a:p>
-            <a:pPr marL="285750" indent="-285750">
+            <a:pPr marL="571500" indent="-571500">
               <a:lnSpc>
                 <a:spcPct val="150000"/>
               </a:lnSpc>
@@ -27722,7 +27781,7 @@
             </a:r>
           </a:p>
           <a:p>
-            <a:pPr marL="285750" indent="-285750">
+            <a:pPr marL="571500" indent="-571500">
               <a:lnSpc>
                 <a:spcPct val="150000"/>
               </a:lnSpc>
@@ -27746,7 +27805,7 @@
         </p:nvSpPr>
         <p:spPr>
           <a:xfrm>
-            <a:off x="2667000" y="8029548"/>
+            <a:off x="2667000" y="8372448"/>
             <a:ext cx="15087600" cy="1698222"/>
           </a:xfrm>
           <a:prstGeom prst="rect">
@@ -27790,7 +27849,7 @@
         </p:nvSpPr>
         <p:spPr>
           <a:xfrm>
-            <a:off x="682454" y="8535759"/>
+            <a:off x="737443" y="8953500"/>
             <a:ext cx="1603546" cy="685800"/>
           </a:xfrm>
           <a:prstGeom prst="rightArrow">
@@ -29615,7 +29674,7 @@
                 <a:cs typeface="Times New Roman" panose="02020603050405020304" pitchFamily="18" charset="0"/>
                 <a:sym typeface="+mn-ea"/>
               </a:rPr>
-              <a:t> </a:t>
+              <a:t> “</a:t>
             </a:r>
             <a:r>
               <a:rPr lang="en-US" sz="3700" dirty="0" err="1">
@@ -29631,7 +29690,7 @@
                 <a:cs typeface="Times New Roman" panose="02020603050405020304" pitchFamily="18" charset="0"/>
                 <a:sym typeface="+mn-ea"/>
               </a:rPr>
-              <a:t> “1 </a:t>
+              <a:t> 1 </a:t>
             </a:r>
             <a:r>
               <a:rPr lang="vi-VN" sz="3700" dirty="0">
@@ -37523,41 +37582,38 @@
       </p:sp>
       <p:pic>
         <p:nvPicPr>
-          <p:cNvPr id="4" name="Picture 3">
+          <p:cNvPr id="6" name="Picture 5">
             <a:extLst>
               <a:ext uri="{FF2B5EF4-FFF2-40B4-BE49-F238E27FC236}">
-                <a16:creationId xmlns:a16="http://schemas.microsoft.com/office/drawing/2014/main" id="{C541C89F-9442-44F0-9268-94BD1C9A7D8A}"/>
+                <a16:creationId xmlns:a16="http://schemas.microsoft.com/office/drawing/2014/main" id="{6241DA96-BEB3-41A5-9943-237697C1D856}"/>
               </a:ext>
             </a:extLst>
           </p:cNvPr>
-          <p:cNvPicPr/>
+          <p:cNvPicPr>
+            <a:picLocks noChangeAspect="1"/>
+          </p:cNvPicPr>
           <p:nvPr/>
         </p:nvPicPr>
         <p:blipFill>
-          <a:blip r:embed="rId2" cstate="print">
+          <a:blip r:embed="rId2">
             <a:extLst>
               <a:ext uri="{28A0092B-C50C-407E-A947-70E740481C1C}">
                 <a14:useLocalDpi xmlns:a14="http://schemas.microsoft.com/office/drawing/2010/main" val="0"/>
               </a:ext>
             </a:extLst>
           </a:blip>
-          <a:srcRect/>
           <a:stretch>
             <a:fillRect/>
           </a:stretch>
         </p:blipFill>
-        <p:spPr bwMode="auto">
+        <p:spPr>
           <a:xfrm>
-            <a:off x="3505200" y="1104364"/>
-            <a:ext cx="12192000" cy="8839200"/>
+            <a:off x="3352800" y="1409700"/>
+            <a:ext cx="11996738" cy="8415622"/>
           </a:xfrm>
           <a:prstGeom prst="rect">
             <a:avLst/>
           </a:prstGeom>
-          <a:noFill/>
-          <a:ln>
-            <a:noFill/>
-          </a:ln>
         </p:spPr>
       </p:pic>
     </p:spTree>
@@ -42662,8 +42718,8 @@
           </a:p>
         </p:txBody>
       </p:sp>
-      <mc:AlternateContent xmlns:mc="http://schemas.openxmlformats.org/markup-compatibility/2006">
-        <mc:Choice xmlns:a14="http://schemas.microsoft.com/office/drawing/2010/main" Requires="a14">
+      <mc:AlternateContent xmlns:mc="http://schemas.openxmlformats.org/markup-compatibility/2006" xmlns:a14="http://schemas.microsoft.com/office/drawing/2010/main">
+        <mc:Choice Requires="a14">
           <p:sp>
             <p:nvSpPr>
               <p:cNvPr id="4" name="TextBox 3">
@@ -44165,7 +44221,7 @@
             </p:txBody>
           </p:sp>
         </mc:Choice>
-        <mc:Fallback>
+        <mc:Fallback xmlns="">
           <p:sp>
             <p:nvSpPr>
               <p:cNvPr id="4" name="TextBox 3">
@@ -44404,8 +44460,8 @@
           </a:p>
         </p:txBody>
       </p:sp>
-      <mc:AlternateContent xmlns:mc="http://schemas.openxmlformats.org/markup-compatibility/2006">
-        <mc:Choice xmlns:a14="http://schemas.microsoft.com/office/drawing/2010/main" Requires="a14">
+      <mc:AlternateContent xmlns:mc="http://schemas.openxmlformats.org/markup-compatibility/2006" xmlns:a14="http://schemas.microsoft.com/office/drawing/2010/main">
+        <mc:Choice Requires="a14">
           <p:sp>
             <p:nvSpPr>
               <p:cNvPr id="4" name="TextBox 3">
@@ -45479,7 +45535,7 @@
             </p:txBody>
           </p:sp>
         </mc:Choice>
-        <mc:Fallback>
+        <mc:Fallback xmlns="">
           <p:sp>
             <p:nvSpPr>
               <p:cNvPr id="4" name="TextBox 3">
